--- a/manuscript/ConceptualFigModel.pptx
+++ b/manuscript/ConceptualFigModel.pptx
@@ -288,7 +288,7 @@
           <a:p>
             <a:fld id="{C306D8B0-ABC7-CD42-BFA1-7598CF9F8093}" type="datetimeFigureOut">
               <a:rPr lang="en-US" smtClean="0"/>
-              <a:t>11/3/14</a:t>
+              <a:t>3/30/15</a:t>
             </a:fld>
             <a:endParaRPr lang="en-US"/>
           </a:p>
@@ -458,7 +458,7 @@
           <a:p>
             <a:fld id="{C306D8B0-ABC7-CD42-BFA1-7598CF9F8093}" type="datetimeFigureOut">
               <a:rPr lang="en-US" smtClean="0"/>
-              <a:t>11/3/14</a:t>
+              <a:t>3/30/15</a:t>
             </a:fld>
             <a:endParaRPr lang="en-US"/>
           </a:p>
@@ -638,7 +638,7 @@
           <a:p>
             <a:fld id="{C306D8B0-ABC7-CD42-BFA1-7598CF9F8093}" type="datetimeFigureOut">
               <a:rPr lang="en-US" smtClean="0"/>
-              <a:t>11/3/14</a:t>
+              <a:t>3/30/15</a:t>
             </a:fld>
             <a:endParaRPr lang="en-US"/>
           </a:p>
@@ -808,7 +808,7 @@
           <a:p>
             <a:fld id="{C306D8B0-ABC7-CD42-BFA1-7598CF9F8093}" type="datetimeFigureOut">
               <a:rPr lang="en-US" smtClean="0"/>
-              <a:t>11/3/14</a:t>
+              <a:t>3/30/15</a:t>
             </a:fld>
             <a:endParaRPr lang="en-US"/>
           </a:p>
@@ -1054,7 +1054,7 @@
           <a:p>
             <a:fld id="{C306D8B0-ABC7-CD42-BFA1-7598CF9F8093}" type="datetimeFigureOut">
               <a:rPr lang="en-US" smtClean="0"/>
-              <a:t>11/3/14</a:t>
+              <a:t>3/30/15</a:t>
             </a:fld>
             <a:endParaRPr lang="en-US"/>
           </a:p>
@@ -1342,7 +1342,7 @@
           <a:p>
             <a:fld id="{C306D8B0-ABC7-CD42-BFA1-7598CF9F8093}" type="datetimeFigureOut">
               <a:rPr lang="en-US" smtClean="0"/>
-              <a:t>11/3/14</a:t>
+              <a:t>3/30/15</a:t>
             </a:fld>
             <a:endParaRPr lang="en-US"/>
           </a:p>
@@ -1764,7 +1764,7 @@
           <a:p>
             <a:fld id="{C306D8B0-ABC7-CD42-BFA1-7598CF9F8093}" type="datetimeFigureOut">
               <a:rPr lang="en-US" smtClean="0"/>
-              <a:t>11/3/14</a:t>
+              <a:t>3/30/15</a:t>
             </a:fld>
             <a:endParaRPr lang="en-US"/>
           </a:p>
@@ -1882,7 +1882,7 @@
           <a:p>
             <a:fld id="{C306D8B0-ABC7-CD42-BFA1-7598CF9F8093}" type="datetimeFigureOut">
               <a:rPr lang="en-US" smtClean="0"/>
-              <a:t>11/3/14</a:t>
+              <a:t>3/30/15</a:t>
             </a:fld>
             <a:endParaRPr lang="en-US"/>
           </a:p>
@@ -1977,7 +1977,7 @@
           <a:p>
             <a:fld id="{C306D8B0-ABC7-CD42-BFA1-7598CF9F8093}" type="datetimeFigureOut">
               <a:rPr lang="en-US" smtClean="0"/>
-              <a:t>11/3/14</a:t>
+              <a:t>3/30/15</a:t>
             </a:fld>
             <a:endParaRPr lang="en-US"/>
           </a:p>
@@ -2254,7 +2254,7 @@
           <a:p>
             <a:fld id="{C306D8B0-ABC7-CD42-BFA1-7598CF9F8093}" type="datetimeFigureOut">
               <a:rPr lang="en-US" smtClean="0"/>
-              <a:t>11/3/14</a:t>
+              <a:t>3/30/15</a:t>
             </a:fld>
             <a:endParaRPr lang="en-US"/>
           </a:p>
@@ -2507,7 +2507,7 @@
           <a:p>
             <a:fld id="{C306D8B0-ABC7-CD42-BFA1-7598CF9F8093}" type="datetimeFigureOut">
               <a:rPr lang="en-US" smtClean="0"/>
-              <a:t>11/3/14</a:t>
+              <a:t>3/30/15</a:t>
             </a:fld>
             <a:endParaRPr lang="en-US"/>
           </a:p>
@@ -2720,7 +2720,7 @@
           <a:p>
             <a:fld id="{C306D8B0-ABC7-CD42-BFA1-7598CF9F8093}" type="datetimeFigureOut">
               <a:rPr lang="en-US" smtClean="0"/>
-              <a:t>11/3/14</a:t>
+              <a:t>3/30/15</a:t>
             </a:fld>
             <a:endParaRPr lang="en-US"/>
           </a:p>
@@ -3573,48 +3573,6 @@
       </p:sp>
       <p:cxnSp>
         <p:nvCxnSpPr>
-          <p:cNvPr id="27" name="Curved Connector 26"/>
-          <p:cNvCxnSpPr>
-            <a:stCxn id="9" idx="4"/>
-            <a:endCxn id="9" idx="5"/>
-          </p:cNvCxnSpPr>
-          <p:nvPr/>
-        </p:nvCxnSpPr>
-        <p:spPr>
-          <a:xfrm rot="5400000" flipH="1" flipV="1">
-            <a:off x="4317921" y="3462150"/>
-            <a:ext cx="113511" cy="274016"/>
-          </a:xfrm>
-          <a:prstGeom prst="curvedConnector3">
-            <a:avLst>
-              <a:gd name="adj1" fmla="val -201390"/>
-            </a:avLst>
-          </a:prstGeom>
-          <a:ln>
-            <a:solidFill>
-              <a:srgbClr val="000000"/>
-            </a:solidFill>
-            <a:tailEnd type="triangle" w="lg" len="lg"/>
-          </a:ln>
-          <a:effectLst/>
-        </p:spPr>
-        <p:style>
-          <a:lnRef idx="2">
-            <a:schemeClr val="accent1"/>
-          </a:lnRef>
-          <a:fillRef idx="0">
-            <a:schemeClr val="accent1"/>
-          </a:fillRef>
-          <a:effectRef idx="1">
-            <a:schemeClr val="accent1"/>
-          </a:effectRef>
-          <a:fontRef idx="minor">
-            <a:schemeClr val="tx1"/>
-          </a:fontRef>
-        </p:style>
-      </p:cxnSp>
-      <p:cxnSp>
-        <p:nvCxnSpPr>
           <p:cNvPr id="33" name="Straight Arrow Connector 32"/>
           <p:cNvCxnSpPr/>
           <p:nvPr/>
@@ -3810,7 +3768,7 @@
         </p:nvCxnSpPr>
         <p:spPr>
           <a:xfrm flipH="1" flipV="1">
-            <a:off x="2414136" y="4475227"/>
+            <a:off x="2414136" y="4420482"/>
             <a:ext cx="685800" cy="1"/>
           </a:xfrm>
           <a:prstGeom prst="straightConnector1">
@@ -4399,7 +4357,7 @@
         </p:nvSpPr>
         <p:spPr>
           <a:xfrm>
-            <a:off x="2471775" y="4167451"/>
+            <a:off x="2471775" y="4112706"/>
             <a:ext cx="714011" cy="307777"/>
           </a:xfrm>
           <a:prstGeom prst="rect">
@@ -4456,8 +4414,8 @@
         </p:nvSpPr>
         <p:spPr>
           <a:xfrm>
-            <a:off x="4410845" y="3579277"/>
-            <a:ext cx="832826" cy="307777"/>
+            <a:off x="5140043" y="3111630"/>
+            <a:ext cx="487051" cy="307777"/>
           </a:xfrm>
           <a:prstGeom prst="rect">
             <a:avLst/>
@@ -4471,18 +4429,18 @@
           <a:lstStyle/>
           <a:p>
             <a:r>
-              <a:rPr lang="en-US" sz="1400" i="1" dirty="0">
-                <a:latin typeface="Times New Roman"/>
-                <a:cs typeface="Times New Roman"/>
-              </a:rPr>
-              <a:t>a</a:t>
-            </a:r>
-            <a:r>
               <a:rPr lang="en-US" sz="1400" i="1" dirty="0" smtClean="0">
                 <a:latin typeface="Times New Roman"/>
                 <a:cs typeface="Times New Roman"/>
               </a:rPr>
-              <a:t>(S – R)</a:t>
+              <a:t>R</a:t>
+            </a:r>
+            <a:r>
+              <a:rPr lang="en-US" sz="1400" i="1" baseline="30000" dirty="0" smtClean="0">
+                <a:latin typeface="Times New Roman"/>
+                <a:cs typeface="Times New Roman"/>
+              </a:rPr>
+              <a:t>T+</a:t>
             </a:r>
             <a:endParaRPr lang="en-US" sz="1400" i="1" dirty="0">
               <a:latin typeface="Times New Roman"/>
@@ -4687,6 +4645,240 @@
             <a:endParaRPr lang="en-US" sz="1400" i="1" dirty="0">
               <a:latin typeface="Times New Roman"/>
               <a:cs typeface="Times New Roman"/>
+            </a:endParaRPr>
+          </a:p>
+        </p:txBody>
+      </p:sp>
+      <p:cxnSp>
+        <p:nvCxnSpPr>
+          <p:cNvPr id="43" name="Straight Arrow Connector 42"/>
+          <p:cNvCxnSpPr/>
+          <p:nvPr/>
+        </p:nvCxnSpPr>
+        <p:spPr>
+          <a:xfrm flipH="1">
+            <a:off x="4687179" y="3265519"/>
+            <a:ext cx="476677" cy="0"/>
+          </a:xfrm>
+          <a:prstGeom prst="straightConnector1">
+            <a:avLst/>
+          </a:prstGeom>
+          <a:ln>
+            <a:solidFill>
+              <a:srgbClr val="000000"/>
+            </a:solidFill>
+            <a:prstDash val="sysDot"/>
+            <a:tailEnd type="triangle" w="lg" len="lg"/>
+          </a:ln>
+          <a:effectLst/>
+        </p:spPr>
+        <p:style>
+          <a:lnRef idx="2">
+            <a:schemeClr val="accent1"/>
+          </a:lnRef>
+          <a:fillRef idx="0">
+            <a:schemeClr val="accent1"/>
+          </a:fillRef>
+          <a:effectRef idx="1">
+            <a:schemeClr val="accent1"/>
+          </a:effectRef>
+          <a:fontRef idx="minor">
+            <a:schemeClr val="tx1"/>
+          </a:fontRef>
+        </p:style>
+      </p:cxnSp>
+      <p:sp>
+        <p:nvSpPr>
+          <p:cNvPr id="2" name="Cloud 1"/>
+          <p:cNvSpPr/>
+          <p:nvPr/>
+        </p:nvSpPr>
+        <p:spPr>
+          <a:xfrm>
+            <a:off x="6147549" y="1986919"/>
+            <a:ext cx="421515" cy="224684"/>
+          </a:xfrm>
+          <a:prstGeom prst="cloud">
+            <a:avLst/>
+          </a:prstGeom>
+          <a:ln w="12700" cmpd="sng">
+            <a:solidFill>
+              <a:schemeClr val="tx1"/>
+            </a:solidFill>
+          </a:ln>
+        </p:spPr>
+        <p:style>
+          <a:lnRef idx="2">
+            <a:schemeClr val="dk1"/>
+          </a:lnRef>
+          <a:fillRef idx="1">
+            <a:schemeClr val="lt1"/>
+          </a:fillRef>
+          <a:effectRef idx="0">
+            <a:schemeClr val="dk1"/>
+          </a:effectRef>
+          <a:fontRef idx="minor">
+            <a:schemeClr val="dk1"/>
+          </a:fontRef>
+        </p:style>
+        <p:txBody>
+          <a:bodyPr rtlCol="0" anchor="ctr"/>
+          <a:lstStyle/>
+          <a:p>
+            <a:pPr algn="ctr"/>
+            <a:endParaRPr lang="en-US">
+              <a:ln w="12700" cmpd="sng">
+                <a:solidFill>
+                  <a:schemeClr val="tx1"/>
+                </a:solidFill>
+              </a:ln>
+            </a:endParaRPr>
+          </a:p>
+        </p:txBody>
+      </p:sp>
+      <p:sp>
+        <p:nvSpPr>
+          <p:cNvPr id="46" name="Cloud 45"/>
+          <p:cNvSpPr/>
+          <p:nvPr/>
+        </p:nvSpPr>
+        <p:spPr>
+          <a:xfrm>
+            <a:off x="6147549" y="4303363"/>
+            <a:ext cx="421515" cy="224684"/>
+          </a:xfrm>
+          <a:prstGeom prst="cloud">
+            <a:avLst/>
+          </a:prstGeom>
+          <a:ln w="12700" cmpd="sng">
+            <a:solidFill>
+              <a:schemeClr val="tx1"/>
+            </a:solidFill>
+          </a:ln>
+        </p:spPr>
+        <p:style>
+          <a:lnRef idx="2">
+            <a:schemeClr val="dk1"/>
+          </a:lnRef>
+          <a:fillRef idx="1">
+            <a:schemeClr val="lt1"/>
+          </a:fillRef>
+          <a:effectRef idx="0">
+            <a:schemeClr val="dk1"/>
+          </a:effectRef>
+          <a:fontRef idx="minor">
+            <a:schemeClr val="dk1"/>
+          </a:fontRef>
+        </p:style>
+        <p:txBody>
+          <a:bodyPr rtlCol="0" anchor="ctr"/>
+          <a:lstStyle/>
+          <a:p>
+            <a:pPr algn="ctr"/>
+            <a:endParaRPr lang="en-US">
+              <a:ln w="12700" cmpd="sng">
+                <a:solidFill>
+                  <a:schemeClr val="tx1"/>
+                </a:solidFill>
+              </a:ln>
+            </a:endParaRPr>
+          </a:p>
+        </p:txBody>
+      </p:sp>
+      <p:sp>
+        <p:nvSpPr>
+          <p:cNvPr id="48" name="Cloud 47"/>
+          <p:cNvSpPr/>
+          <p:nvPr/>
+        </p:nvSpPr>
+        <p:spPr>
+          <a:xfrm>
+            <a:off x="1849399" y="1986919"/>
+            <a:ext cx="421515" cy="224684"/>
+          </a:xfrm>
+          <a:prstGeom prst="cloud">
+            <a:avLst/>
+          </a:prstGeom>
+          <a:ln w="12700" cmpd="sng">
+            <a:solidFill>
+              <a:schemeClr val="tx1"/>
+            </a:solidFill>
+          </a:ln>
+        </p:spPr>
+        <p:style>
+          <a:lnRef idx="2">
+            <a:schemeClr val="dk1"/>
+          </a:lnRef>
+          <a:fillRef idx="1">
+            <a:schemeClr val="lt1"/>
+          </a:fillRef>
+          <a:effectRef idx="0">
+            <a:schemeClr val="dk1"/>
+          </a:effectRef>
+          <a:fontRef idx="minor">
+            <a:schemeClr val="dk1"/>
+          </a:fontRef>
+        </p:style>
+        <p:txBody>
+          <a:bodyPr rtlCol="0" anchor="ctr"/>
+          <a:lstStyle/>
+          <a:p>
+            <a:pPr algn="ctr"/>
+            <a:endParaRPr lang="en-US">
+              <a:ln w="12700" cmpd="sng">
+                <a:solidFill>
+                  <a:schemeClr val="tx1"/>
+                </a:solidFill>
+              </a:ln>
+            </a:endParaRPr>
+          </a:p>
+        </p:txBody>
+      </p:sp>
+      <p:sp>
+        <p:nvSpPr>
+          <p:cNvPr id="58" name="Cloud 57"/>
+          <p:cNvSpPr/>
+          <p:nvPr/>
+        </p:nvSpPr>
+        <p:spPr>
+          <a:xfrm>
+            <a:off x="1849399" y="4303363"/>
+            <a:ext cx="421515" cy="224684"/>
+          </a:xfrm>
+          <a:prstGeom prst="cloud">
+            <a:avLst/>
+          </a:prstGeom>
+          <a:ln w="12700" cmpd="sng">
+            <a:solidFill>
+              <a:schemeClr val="tx1"/>
+            </a:solidFill>
+          </a:ln>
+        </p:spPr>
+        <p:style>
+          <a:lnRef idx="2">
+            <a:schemeClr val="dk1"/>
+          </a:lnRef>
+          <a:fillRef idx="1">
+            <a:schemeClr val="lt1"/>
+          </a:fillRef>
+          <a:effectRef idx="0">
+            <a:schemeClr val="dk1"/>
+          </a:effectRef>
+          <a:fontRef idx="minor">
+            <a:schemeClr val="dk1"/>
+          </a:fontRef>
+        </p:style>
+        <p:txBody>
+          <a:bodyPr rtlCol="0" anchor="ctr"/>
+          <a:lstStyle/>
+          <a:p>
+            <a:pPr algn="ctr"/>
+            <a:endParaRPr lang="en-US">
+              <a:ln w="12700" cmpd="sng">
+                <a:solidFill>
+                  <a:schemeClr val="tx1"/>
+                </a:solidFill>
+              </a:ln>
             </a:endParaRPr>
           </a:p>
         </p:txBody>
